--- a/instruction_files/Instructions.pptx
+++ b/instruction_files/Instructions.pptx
@@ -5,14 +5,16 @@
     <p:sldMasterId id="2147483648" r:id="rId1"/>
   </p:sldMasterIdLst>
   <p:notesMasterIdLst>
-    <p:notesMasterId r:id="rId7"/>
+    <p:notesMasterId r:id="rId9"/>
   </p:notesMasterIdLst>
   <p:sldIdLst>
-    <p:sldId id="292" r:id="rId2"/>
-    <p:sldId id="294" r:id="rId3"/>
-    <p:sldId id="282" r:id="rId4"/>
-    <p:sldId id="280" r:id="rId5"/>
-    <p:sldId id="296" r:id="rId6"/>
+    <p:sldId id="300" r:id="rId2"/>
+    <p:sldId id="292" r:id="rId3"/>
+    <p:sldId id="294" r:id="rId4"/>
+    <p:sldId id="301" r:id="rId5"/>
+    <p:sldId id="282" r:id="rId6"/>
+    <p:sldId id="280" r:id="rId7"/>
+    <p:sldId id="296" r:id="rId8"/>
   </p:sldIdLst>
   <p:sldSz cx="18284825" cy="10285413"/>
   <p:notesSz cx="6858000" cy="9144000"/>
@@ -212,7 +214,7 @@
           <a:p>
             <a:fld id="{252F094F-DCC0-9241-BDBF-9F4129FBD7AB}" type="datetimeFigureOut">
               <a:rPr lang="en-US" smtClean="0"/>
-              <a:t>9/21/2022</a:t>
+              <a:t>11/15/2022</a:t>
             </a:fld>
             <a:endParaRPr lang="en-US"/>
           </a:p>
@@ -537,15 +539,80 @@
           <a:bodyPr/>
           <a:lstStyle/>
           <a:p>
+            <a:pPr marL="0" marR="0" lvl="0" indent="0" algn="r" defTabSz="457200" rtl="0" eaLnBrk="1" fontAlgn="auto" latinLnBrk="0" hangingPunct="1">
+              <a:lnSpc>
+                <a:spcPct val="100000"/>
+              </a:lnSpc>
+              <a:spcBef>
+                <a:spcPts val="0"/>
+              </a:spcBef>
+              <a:spcAft>
+                <a:spcPts val="0"/>
+              </a:spcAft>
+              <a:buClrTx/>
+              <a:buSzTx/>
+              <a:buFontTx/>
+              <a:buNone/>
+              <a:tabLst/>
+              <a:defRPr/>
+            </a:pPr>
             <a:fld id="{4C7214EF-422B-984C-B19B-86143C52FF63}" type="slidenum">
-              <a:rPr lang="en-US" smtClean="0"/>
+              <a:rPr kumimoji="0" lang="en-US" sz="1200" b="0" i="0" u="none" strike="noStrike" kern="1200" cap="none" spc="0" normalizeH="0" baseline="0" noProof="0" smtClean="0">
+                <a:ln>
+                  <a:noFill/>
+                </a:ln>
+                <a:solidFill>
+                  <a:prstClr val="black"/>
+                </a:solidFill>
+                <a:effectLst/>
+                <a:uLnTx/>
+                <a:uFillTx/>
+                <a:latin typeface="Calibri"/>
+                <a:ea typeface="+mn-ea"/>
+                <a:cs typeface="+mn-cs"/>
+              </a:rPr>
+              <a:pPr marL="0" marR="0" lvl="0" indent="0" algn="r" defTabSz="457200" rtl="0" eaLnBrk="1" fontAlgn="auto" latinLnBrk="0" hangingPunct="1">
+                <a:lnSpc>
+                  <a:spcPct val="100000"/>
+                </a:lnSpc>
+                <a:spcBef>
+                  <a:spcPts val="0"/>
+                </a:spcBef>
+                <a:spcAft>
+                  <a:spcPts val="0"/>
+                </a:spcAft>
+                <a:buClrTx/>
+                <a:buSzTx/>
+                <a:buFontTx/>
+                <a:buNone/>
+                <a:tabLst/>
+                <a:defRPr/>
+              </a:pPr>
               <a:t>1</a:t>
             </a:fld>
-            <a:endParaRPr lang="en-US"/>
+            <a:endParaRPr kumimoji="0" lang="en-US" sz="1200" b="0" i="0" u="none" strike="noStrike" kern="1200" cap="none" spc="0" normalizeH="0" baseline="0" noProof="0">
+              <a:ln>
+                <a:noFill/>
+              </a:ln>
+              <a:solidFill>
+                <a:prstClr val="black"/>
+              </a:solidFill>
+              <a:effectLst/>
+              <a:uLnTx/>
+              <a:uFillTx/>
+              <a:latin typeface="Calibri"/>
+              <a:ea typeface="+mn-ea"/>
+              <a:cs typeface="+mn-cs"/>
+            </a:endParaRPr>
           </a:p>
         </p:txBody>
       </p:sp>
     </p:spTree>
+    <p:extLst>
+      <p:ext uri="{BB962C8B-B14F-4D97-AF65-F5344CB8AC3E}">
+        <p14:creationId xmlns:p14="http://schemas.microsoft.com/office/powerpoint/2010/main" val="834520434"/>
+      </p:ext>
+    </p:extLst>
   </p:cSld>
   <p:clrMapOvr>
     <a:masterClrMapping/>
@@ -625,11 +692,6 @@
         </p:txBody>
       </p:sp>
     </p:spTree>
-    <p:extLst>
-      <p:ext uri="{BB962C8B-B14F-4D97-AF65-F5344CB8AC3E}">
-        <p14:creationId xmlns:p14="http://schemas.microsoft.com/office/powerpoint/2010/main" val="719162324"/>
-      </p:ext>
-    </p:extLst>
   </p:cSld>
   <p:clrMapOvr>
     <a:masterClrMapping/>
@@ -702,7 +764,175 @@
           <a:p>
             <a:fld id="{4C7214EF-422B-984C-B19B-86143C52FF63}" type="slidenum">
               <a:rPr lang="en-US" smtClean="0"/>
-              <a:t>5</a:t>
+              <a:t>3</a:t>
+            </a:fld>
+            <a:endParaRPr lang="en-US"/>
+          </a:p>
+        </p:txBody>
+      </p:sp>
+    </p:spTree>
+    <p:extLst>
+      <p:ext uri="{BB962C8B-B14F-4D97-AF65-F5344CB8AC3E}">
+        <p14:creationId xmlns:p14="http://schemas.microsoft.com/office/powerpoint/2010/main" val="719162324"/>
+      </p:ext>
+    </p:extLst>
+  </p:cSld>
+  <p:clrMapOvr>
+    <a:masterClrMapping/>
+  </p:clrMapOvr>
+</p:notes>
+</file>
+
+<file path=ppt/notesSlides/notesSlide4.xml><?xml version="1.0" encoding="utf-8"?>
+<p:notes xmlns:a="http://schemas.openxmlformats.org/drawingml/2006/main" xmlns:r="http://schemas.openxmlformats.org/officeDocument/2006/relationships" xmlns:p="http://schemas.openxmlformats.org/presentationml/2006/main">
+  <p:cSld>
+    <p:spTree>
+      <p:nvGrpSpPr>
+        <p:cNvPr id="1" name=""/>
+        <p:cNvGrpSpPr/>
+        <p:nvPr/>
+      </p:nvGrpSpPr>
+      <p:grpSpPr>
+        <a:xfrm>
+          <a:off x="0" y="0"/>
+          <a:ext cx="0" cy="0"/>
+          <a:chOff x="0" y="0"/>
+          <a:chExt cx="0" cy="0"/>
+        </a:xfrm>
+      </p:grpSpPr>
+      <p:sp>
+        <p:nvSpPr>
+          <p:cNvPr id="2" name="Slide Image Placeholder 1"/>
+          <p:cNvSpPr>
+            <a:spLocks noGrp="1" noRot="1" noChangeAspect="1"/>
+          </p:cNvSpPr>
+          <p:nvPr>
+            <p:ph type="sldImg"/>
+          </p:nvPr>
+        </p:nvSpPr>
+        <p:spPr/>
+      </p:sp>
+      <p:sp>
+        <p:nvSpPr>
+          <p:cNvPr id="3" name="Notes Placeholder 2"/>
+          <p:cNvSpPr>
+            <a:spLocks noGrp="1"/>
+          </p:cNvSpPr>
+          <p:nvPr>
+            <p:ph type="body" idx="1"/>
+          </p:nvPr>
+        </p:nvSpPr>
+        <p:spPr/>
+        <p:txBody>
+          <a:bodyPr/>
+          <a:lstStyle/>
+          <a:p>
+            <a:endParaRPr lang="en-US" dirty="0"/>
+          </a:p>
+        </p:txBody>
+      </p:sp>
+      <p:sp>
+        <p:nvSpPr>
+          <p:cNvPr id="4" name="Slide Number Placeholder 3"/>
+          <p:cNvSpPr>
+            <a:spLocks noGrp="1"/>
+          </p:cNvSpPr>
+          <p:nvPr>
+            <p:ph type="sldNum" sz="quarter" idx="10"/>
+          </p:nvPr>
+        </p:nvSpPr>
+        <p:spPr/>
+        <p:txBody>
+          <a:bodyPr/>
+          <a:lstStyle/>
+          <a:p>
+            <a:fld id="{4C7214EF-422B-984C-B19B-86143C52FF63}" type="slidenum">
+              <a:rPr lang="en-US" smtClean="0"/>
+              <a:t>4</a:t>
+            </a:fld>
+            <a:endParaRPr lang="en-US"/>
+          </a:p>
+        </p:txBody>
+      </p:sp>
+    </p:spTree>
+    <p:extLst>
+      <p:ext uri="{BB962C8B-B14F-4D97-AF65-F5344CB8AC3E}">
+        <p14:creationId xmlns:p14="http://schemas.microsoft.com/office/powerpoint/2010/main" val="3352530931"/>
+      </p:ext>
+    </p:extLst>
+  </p:cSld>
+  <p:clrMapOvr>
+    <a:masterClrMapping/>
+  </p:clrMapOvr>
+</p:notes>
+</file>
+
+<file path=ppt/notesSlides/notesSlide5.xml><?xml version="1.0" encoding="utf-8"?>
+<p:notes xmlns:a="http://schemas.openxmlformats.org/drawingml/2006/main" xmlns:r="http://schemas.openxmlformats.org/officeDocument/2006/relationships" xmlns:p="http://schemas.openxmlformats.org/presentationml/2006/main">
+  <p:cSld>
+    <p:spTree>
+      <p:nvGrpSpPr>
+        <p:cNvPr id="1" name=""/>
+        <p:cNvGrpSpPr/>
+        <p:nvPr/>
+      </p:nvGrpSpPr>
+      <p:grpSpPr>
+        <a:xfrm>
+          <a:off x="0" y="0"/>
+          <a:ext cx="0" cy="0"/>
+          <a:chOff x="0" y="0"/>
+          <a:chExt cx="0" cy="0"/>
+        </a:xfrm>
+      </p:grpSpPr>
+      <p:sp>
+        <p:nvSpPr>
+          <p:cNvPr id="2" name="Slide Image Placeholder 1"/>
+          <p:cNvSpPr>
+            <a:spLocks noGrp="1" noRot="1" noChangeAspect="1"/>
+          </p:cNvSpPr>
+          <p:nvPr>
+            <p:ph type="sldImg"/>
+          </p:nvPr>
+        </p:nvSpPr>
+        <p:spPr/>
+      </p:sp>
+      <p:sp>
+        <p:nvSpPr>
+          <p:cNvPr id="3" name="Notes Placeholder 2"/>
+          <p:cNvSpPr>
+            <a:spLocks noGrp="1"/>
+          </p:cNvSpPr>
+          <p:nvPr>
+            <p:ph type="body" idx="1"/>
+          </p:nvPr>
+        </p:nvSpPr>
+        <p:spPr/>
+        <p:txBody>
+          <a:bodyPr/>
+          <a:lstStyle/>
+          <a:p>
+            <a:endParaRPr lang="en-US" dirty="0"/>
+          </a:p>
+        </p:txBody>
+      </p:sp>
+      <p:sp>
+        <p:nvSpPr>
+          <p:cNvPr id="4" name="Slide Number Placeholder 3"/>
+          <p:cNvSpPr>
+            <a:spLocks noGrp="1"/>
+          </p:cNvSpPr>
+          <p:nvPr>
+            <p:ph type="sldNum" sz="quarter" idx="10"/>
+          </p:nvPr>
+        </p:nvSpPr>
+        <p:spPr/>
+        <p:txBody>
+          <a:bodyPr/>
+          <a:lstStyle/>
+          <a:p>
+            <a:fld id="{4C7214EF-422B-984C-B19B-86143C52FF63}" type="slidenum">
+              <a:rPr lang="en-US" smtClean="0"/>
+              <a:t>7</a:t>
             </a:fld>
             <a:endParaRPr lang="en-US"/>
           </a:p>
@@ -852,7 +1082,7 @@
           <a:p>
             <a:fld id="{0002DDC5-7EBB-47AC-BFF5-8E257E6BF8C7}" type="datetimeFigureOut">
               <a:rPr lang="en-AU" smtClean="0"/>
-              <a:t>21/09/2022</a:t>
+              <a:t>15/11/2022</a:t>
             </a:fld>
             <a:endParaRPr lang="en-AU"/>
           </a:p>
@@ -1017,7 +1247,7 @@
           <a:p>
             <a:fld id="{0002DDC5-7EBB-47AC-BFF5-8E257E6BF8C7}" type="datetimeFigureOut">
               <a:rPr lang="en-AU" smtClean="0"/>
-              <a:t>21/09/2022</a:t>
+              <a:t>15/11/2022</a:t>
             </a:fld>
             <a:endParaRPr lang="en-AU"/>
           </a:p>
@@ -1192,7 +1422,7 @@
           <a:p>
             <a:fld id="{0002DDC5-7EBB-47AC-BFF5-8E257E6BF8C7}" type="datetimeFigureOut">
               <a:rPr lang="en-AU" smtClean="0"/>
-              <a:t>21/09/2022</a:t>
+              <a:t>15/11/2022</a:t>
             </a:fld>
             <a:endParaRPr lang="en-AU"/>
           </a:p>
@@ -1357,7 +1587,7 @@
           <a:p>
             <a:fld id="{0002DDC5-7EBB-47AC-BFF5-8E257E6BF8C7}" type="datetimeFigureOut">
               <a:rPr lang="en-AU" smtClean="0"/>
-              <a:t>21/09/2022</a:t>
+              <a:t>15/11/2022</a:t>
             </a:fld>
             <a:endParaRPr lang="en-AU"/>
           </a:p>
@@ -1598,7 +1828,7 @@
           <a:p>
             <a:fld id="{0002DDC5-7EBB-47AC-BFF5-8E257E6BF8C7}" type="datetimeFigureOut">
               <a:rPr lang="en-AU" smtClean="0"/>
-              <a:t>21/09/2022</a:t>
+              <a:t>15/11/2022</a:t>
             </a:fld>
             <a:endParaRPr lang="en-AU"/>
           </a:p>
@@ -1825,7 +2055,7 @@
           <a:p>
             <a:fld id="{0002DDC5-7EBB-47AC-BFF5-8E257E6BF8C7}" type="datetimeFigureOut">
               <a:rPr lang="en-AU" smtClean="0"/>
-              <a:t>21/09/2022</a:t>
+              <a:t>15/11/2022</a:t>
             </a:fld>
             <a:endParaRPr lang="en-AU"/>
           </a:p>
@@ -2187,7 +2417,7 @@
           <a:p>
             <a:fld id="{0002DDC5-7EBB-47AC-BFF5-8E257E6BF8C7}" type="datetimeFigureOut">
               <a:rPr lang="en-AU" smtClean="0"/>
-              <a:t>21/09/2022</a:t>
+              <a:t>15/11/2022</a:t>
             </a:fld>
             <a:endParaRPr lang="en-AU"/>
           </a:p>
@@ -2300,7 +2530,7 @@
           <a:p>
             <a:fld id="{0002DDC5-7EBB-47AC-BFF5-8E257E6BF8C7}" type="datetimeFigureOut">
               <a:rPr lang="en-AU" smtClean="0"/>
-              <a:t>21/09/2022</a:t>
+              <a:t>15/11/2022</a:t>
             </a:fld>
             <a:endParaRPr lang="en-AU"/>
           </a:p>
@@ -2390,7 +2620,7 @@
           <a:p>
             <a:fld id="{0002DDC5-7EBB-47AC-BFF5-8E257E6BF8C7}" type="datetimeFigureOut">
               <a:rPr lang="en-AU" smtClean="0"/>
-              <a:t>21/09/2022</a:t>
+              <a:t>15/11/2022</a:t>
             </a:fld>
             <a:endParaRPr lang="en-AU"/>
           </a:p>
@@ -2662,7 +2892,7 @@
           <a:p>
             <a:fld id="{0002DDC5-7EBB-47AC-BFF5-8E257E6BF8C7}" type="datetimeFigureOut">
               <a:rPr lang="en-AU" smtClean="0"/>
-              <a:t>21/09/2022</a:t>
+              <a:t>15/11/2022</a:t>
             </a:fld>
             <a:endParaRPr lang="en-AU"/>
           </a:p>
@@ -2914,7 +3144,7 @@
           <a:p>
             <a:fld id="{0002DDC5-7EBB-47AC-BFF5-8E257E6BF8C7}" type="datetimeFigureOut">
               <a:rPr lang="en-AU" smtClean="0"/>
-              <a:t>21/09/2022</a:t>
+              <a:t>15/11/2022</a:t>
             </a:fld>
             <a:endParaRPr lang="en-AU"/>
           </a:p>
@@ -3122,7 +3352,7 @@
           <a:p>
             <a:fld id="{0002DDC5-7EBB-47AC-BFF5-8E257E6BF8C7}" type="datetimeFigureOut">
               <a:rPr lang="en-AU" smtClean="0"/>
-              <a:t>21/09/2022</a:t>
+              <a:t>15/11/2022</a:t>
             </a:fld>
             <a:endParaRPr lang="en-AU"/>
           </a:p>
@@ -3539,7 +3769,7 @@
         <p:spPr>
           <a:xfrm>
             <a:off x="743918" y="960658"/>
-            <a:ext cx="17048135" cy="2862322"/>
+            <a:ext cx="17048135" cy="2308324"/>
           </a:xfrm>
           <a:prstGeom prst="rect">
             <a:avLst/>
@@ -3551,92 +3781,179 @@
           </a:bodyPr>
           <a:lstStyle/>
           <a:p>
-            <a:r>
-              <a:rPr lang="en-US" sz="3600" dirty="0">
+            <a:pPr marL="0" marR="0" lvl="0" indent="0" algn="l" defTabSz="457200" rtl="0" eaLnBrk="1" fontAlgn="auto" latinLnBrk="0" hangingPunct="1">
+              <a:lnSpc>
+                <a:spcPct val="100000"/>
+              </a:lnSpc>
+              <a:spcBef>
+                <a:spcPts val="0"/>
+              </a:spcBef>
+              <a:spcAft>
+                <a:spcPts val="0"/>
+              </a:spcAft>
+              <a:buClrTx/>
+              <a:buSzTx/>
+              <a:buFontTx/>
+              <a:buNone/>
+              <a:tabLst/>
+              <a:defRPr/>
+            </a:pPr>
+            <a:r>
+              <a:rPr kumimoji="0" lang="en-US" sz="3600" b="0" i="0" u="none" strike="noStrike" kern="1200" cap="none" spc="0" normalizeH="0" baseline="0" noProof="0" dirty="0" smtClean="0">
+                <a:ln>
+                  <a:noFill/>
+                </a:ln>
                 <a:solidFill>
-                  <a:schemeClr val="bg1"/>
+                  <a:prstClr val="white"/>
                 </a:solidFill>
+                <a:effectLst/>
+                <a:uLnTx/>
+                <a:uFillTx/>
+                <a:latin typeface="Calibri"/>
+                <a:ea typeface="+mn-ea"/>
+                <a:cs typeface="+mn-cs"/>
               </a:rPr>
-              <a:t>Welcome to the experiment, and thank you for agreeing to take part in this study.</a:t>
-            </a:r>
-          </a:p>
-          <a:p>
-            <a:endParaRPr lang="en-US" sz="3600" dirty="0">
+              <a:t>Key training instructions</a:t>
+            </a:r>
+            <a:endParaRPr kumimoji="0" lang="en-US" sz="3600" b="0" i="0" u="none" strike="noStrike" kern="1200" cap="none" spc="0" normalizeH="0" baseline="0" noProof="0" dirty="0">
+              <a:ln>
+                <a:noFill/>
+              </a:ln>
               <a:solidFill>
-                <a:schemeClr val="bg1"/>
+                <a:prstClr val="white"/>
               </a:solidFill>
+              <a:effectLst/>
+              <a:uLnTx/>
+              <a:uFillTx/>
+              <a:latin typeface="Calibri"/>
+              <a:ea typeface="+mn-ea"/>
+              <a:cs typeface="+mn-cs"/>
             </a:endParaRPr>
           </a:p>
           <a:p>
-            <a:endParaRPr lang="en-US" sz="3600" dirty="0">
+            <a:pPr marL="0" marR="0" lvl="0" indent="0" algn="l" defTabSz="457200" rtl="0" eaLnBrk="1" fontAlgn="auto" latinLnBrk="0" hangingPunct="1">
+              <a:lnSpc>
+                <a:spcPct val="100000"/>
+              </a:lnSpc>
+              <a:spcBef>
+                <a:spcPts val="0"/>
+              </a:spcBef>
+              <a:spcAft>
+                <a:spcPts val="0"/>
+              </a:spcAft>
+              <a:buClrTx/>
+              <a:buSzTx/>
+              <a:buFontTx/>
+              <a:buNone/>
+              <a:tabLst/>
+              <a:defRPr/>
+            </a:pPr>
+            <a:endParaRPr kumimoji="0" lang="en-US" sz="3600" b="0" i="0" u="none" strike="noStrike" kern="1200" cap="none" spc="0" normalizeH="0" baseline="0" noProof="0" dirty="0" smtClean="0">
+              <a:ln>
+                <a:noFill/>
+              </a:ln>
               <a:solidFill>
-                <a:schemeClr val="bg1"/>
+                <a:prstClr val="white"/>
               </a:solidFill>
+              <a:effectLst/>
+              <a:uLnTx/>
+              <a:uFillTx/>
+              <a:latin typeface="Calibri"/>
+              <a:ea typeface="+mn-ea"/>
+              <a:cs typeface="+mn-cs"/>
             </a:endParaRPr>
           </a:p>
           <a:p>
-            <a:r>
-              <a:rPr lang="en-US" sz="3600" dirty="0" smtClean="0">
+            <a:pPr marL="0" marR="0" lvl="0" indent="0" algn="l" defTabSz="457200" rtl="0" eaLnBrk="1" fontAlgn="auto" latinLnBrk="0" hangingPunct="1">
+              <a:lnSpc>
+                <a:spcPct val="100000"/>
+              </a:lnSpc>
+              <a:spcBef>
+                <a:spcPts val="0"/>
+              </a:spcBef>
+              <a:spcAft>
+                <a:spcPts val="0"/>
+              </a:spcAft>
+              <a:buClrTx/>
+              <a:buSzTx/>
+              <a:buFontTx/>
+              <a:buNone/>
+              <a:tabLst/>
+              <a:defRPr/>
+            </a:pPr>
+            <a:endParaRPr kumimoji="0" lang="en-US" sz="3600" b="0" i="0" u="none" strike="noStrike" kern="1200" cap="none" spc="0" normalizeH="0" baseline="0" noProof="0" dirty="0">
+              <a:ln>
+                <a:noFill/>
+              </a:ln>
+              <a:solidFill>
+                <a:prstClr val="white"/>
+              </a:solidFill>
+              <a:effectLst/>
+              <a:uLnTx/>
+              <a:uFillTx/>
+              <a:latin typeface="Calibri"/>
+              <a:ea typeface="+mn-ea"/>
+              <a:cs typeface="+mn-cs"/>
+            </a:endParaRPr>
+          </a:p>
+          <a:p>
+            <a:pPr marL="0" marR="0" lvl="0" indent="0" algn="l" defTabSz="457200" rtl="0" eaLnBrk="1" fontAlgn="auto" latinLnBrk="0" hangingPunct="1">
+              <a:lnSpc>
+                <a:spcPct val="100000"/>
+              </a:lnSpc>
+              <a:spcBef>
+                <a:spcPts val="0"/>
+              </a:spcBef>
+              <a:spcAft>
+                <a:spcPts val="0"/>
+              </a:spcAft>
+              <a:buClrTx/>
+              <a:buSzTx/>
+              <a:buFontTx/>
+              <a:buNone/>
+              <a:tabLst/>
+              <a:defRPr/>
+            </a:pPr>
+            <a:r>
+              <a:rPr kumimoji="0" lang="en-US" sz="3600" b="0" i="0" u="none" strike="noStrike" kern="1200" cap="none" spc="0" normalizeH="0" baseline="0" noProof="0" dirty="0" smtClean="0">
+                <a:ln>
+                  <a:noFill/>
+                </a:ln>
                 <a:solidFill>
-                  <a:schemeClr val="bg1"/>
+                  <a:srgbClr val="FFFF00"/>
                 </a:solidFill>
+                <a:effectLst/>
+                <a:uLnTx/>
+                <a:uFillTx/>
+                <a:latin typeface="Calibri"/>
+                <a:ea typeface="+mn-ea"/>
+                <a:cs typeface="+mn-cs"/>
               </a:rPr>
-              <a:t>In this task…</a:t>
-            </a:r>
-            <a:endParaRPr lang="en-US" sz="3600" dirty="0">
+              <a:t>Please tell the experimenter when you are ready to start</a:t>
+            </a:r>
+            <a:endParaRPr kumimoji="0" lang="en-US" sz="3600" b="0" i="0" u="none" strike="noStrike" kern="1200" cap="none" spc="0" normalizeH="0" baseline="0" noProof="0" dirty="0">
+              <a:ln>
+                <a:noFill/>
+              </a:ln>
               <a:solidFill>
-                <a:schemeClr val="bg1"/>
+                <a:srgbClr val="FFFF00"/>
               </a:solidFill>
+              <a:effectLst/>
+              <a:uLnTx/>
+              <a:uFillTx/>
+              <a:latin typeface="Calibri"/>
+              <a:ea typeface="+mn-ea"/>
+              <a:cs typeface="+mn-cs"/>
             </a:endParaRPr>
           </a:p>
-          <a:p>
-            <a:endParaRPr lang="en-US" sz="3600" dirty="0">
-              <a:solidFill>
-                <a:schemeClr val="bg1"/>
-              </a:solidFill>
-            </a:endParaRPr>
-          </a:p>
-        </p:txBody>
-      </p:sp>
-      <p:sp>
-        <p:nvSpPr>
-          <p:cNvPr id="6" name="TextBox 5"/>
-          <p:cNvSpPr txBox="1"/>
-          <p:nvPr/>
-        </p:nvSpPr>
-        <p:spPr>
-          <a:xfrm>
-            <a:off x="11940906" y="9655346"/>
-            <a:ext cx="6196369" cy="523220"/>
-          </a:xfrm>
-          <a:prstGeom prst="rect">
-            <a:avLst/>
-          </a:prstGeom>
-          <a:noFill/>
-        </p:spPr>
-        <p:txBody>
-          <a:bodyPr wrap="square" rtlCol="0">
-            <a:spAutoFit/>
-          </a:bodyPr>
-          <a:lstStyle/>
-          <a:p>
-            <a:r>
-              <a:rPr lang="en-US" sz="2800" i="1" dirty="0">
-                <a:solidFill>
-                  <a:schemeClr val="bg1"/>
-                </a:solidFill>
-              </a:rPr>
-              <a:t>Press the space bar for more instructions</a:t>
-            </a:r>
-            <a:endParaRPr lang="en-AU" sz="2800" i="1" u="sng" dirty="0">
-              <a:solidFill>
-                <a:schemeClr val="bg1"/>
-              </a:solidFill>
-            </a:endParaRPr>
-          </a:p>
         </p:txBody>
       </p:sp>
     </p:spTree>
+    <p:extLst>
+      <p:ext uri="{BB962C8B-B14F-4D97-AF65-F5344CB8AC3E}">
+        <p14:creationId xmlns:p14="http://schemas.microsoft.com/office/powerpoint/2010/main" val="1709233409"/>
+      </p:ext>
+    </p:extLst>
   </p:cSld>
   <p:clrMapOvr>
     <a:masterClrMapping/>
@@ -3678,6 +3995,145 @@
         <p:spPr>
           <a:xfrm>
             <a:off x="743918" y="960658"/>
+            <a:ext cx="17048135" cy="2862322"/>
+          </a:xfrm>
+          <a:prstGeom prst="rect">
+            <a:avLst/>
+          </a:prstGeom>
+        </p:spPr>
+        <p:txBody>
+          <a:bodyPr wrap="square">
+            <a:spAutoFit/>
+          </a:bodyPr>
+          <a:lstStyle/>
+          <a:p>
+            <a:r>
+              <a:rPr lang="en-US" sz="3600" dirty="0">
+                <a:solidFill>
+                  <a:schemeClr val="bg1"/>
+                </a:solidFill>
+              </a:rPr>
+              <a:t>Welcome to the experiment, and thank you for agreeing to take part in this study.</a:t>
+            </a:r>
+          </a:p>
+          <a:p>
+            <a:endParaRPr lang="en-US" sz="3600" dirty="0">
+              <a:solidFill>
+                <a:schemeClr val="bg1"/>
+              </a:solidFill>
+            </a:endParaRPr>
+          </a:p>
+          <a:p>
+            <a:endParaRPr lang="en-US" sz="3600" dirty="0">
+              <a:solidFill>
+                <a:schemeClr val="bg1"/>
+              </a:solidFill>
+            </a:endParaRPr>
+          </a:p>
+          <a:p>
+            <a:r>
+              <a:rPr lang="en-US" sz="3600" dirty="0" smtClean="0">
+                <a:solidFill>
+                  <a:schemeClr val="bg1"/>
+                </a:solidFill>
+              </a:rPr>
+              <a:t>In this task…</a:t>
+            </a:r>
+            <a:endParaRPr lang="en-US" sz="3600" dirty="0">
+              <a:solidFill>
+                <a:schemeClr val="bg1"/>
+              </a:solidFill>
+            </a:endParaRPr>
+          </a:p>
+          <a:p>
+            <a:endParaRPr lang="en-US" sz="3600" dirty="0">
+              <a:solidFill>
+                <a:schemeClr val="bg1"/>
+              </a:solidFill>
+            </a:endParaRPr>
+          </a:p>
+        </p:txBody>
+      </p:sp>
+      <p:sp>
+        <p:nvSpPr>
+          <p:cNvPr id="6" name="TextBox 5"/>
+          <p:cNvSpPr txBox="1"/>
+          <p:nvPr/>
+        </p:nvSpPr>
+        <p:spPr>
+          <a:xfrm>
+            <a:off x="11940906" y="9655346"/>
+            <a:ext cx="6196369" cy="523220"/>
+          </a:xfrm>
+          <a:prstGeom prst="rect">
+            <a:avLst/>
+          </a:prstGeom>
+          <a:noFill/>
+        </p:spPr>
+        <p:txBody>
+          <a:bodyPr wrap="square" rtlCol="0">
+            <a:spAutoFit/>
+          </a:bodyPr>
+          <a:lstStyle/>
+          <a:p>
+            <a:r>
+              <a:rPr lang="en-US" sz="2800" i="1" dirty="0">
+                <a:solidFill>
+                  <a:schemeClr val="bg1"/>
+                </a:solidFill>
+              </a:rPr>
+              <a:t>Press the space bar for more instructions</a:t>
+            </a:r>
+            <a:endParaRPr lang="en-AU" sz="2800" i="1" u="sng" dirty="0">
+              <a:solidFill>
+                <a:schemeClr val="bg1"/>
+              </a:solidFill>
+            </a:endParaRPr>
+          </a:p>
+        </p:txBody>
+      </p:sp>
+    </p:spTree>
+  </p:cSld>
+  <p:clrMapOvr>
+    <a:masterClrMapping/>
+  </p:clrMapOvr>
+</p:sld>
+</file>
+
+<file path=ppt/slides/slide3.xml><?xml version="1.0" encoding="utf-8"?>
+<p:sld xmlns:a="http://schemas.openxmlformats.org/drawingml/2006/main" xmlns:r="http://schemas.openxmlformats.org/officeDocument/2006/relationships" xmlns:p="http://schemas.openxmlformats.org/presentationml/2006/main">
+  <p:cSld>
+    <p:bg>
+      <p:bgPr>
+        <a:solidFill>
+          <a:schemeClr val="tx1"/>
+        </a:solidFill>
+        <a:effectLst/>
+      </p:bgPr>
+    </p:bg>
+    <p:spTree>
+      <p:nvGrpSpPr>
+        <p:cNvPr id="1" name=""/>
+        <p:cNvGrpSpPr/>
+        <p:nvPr/>
+      </p:nvGrpSpPr>
+      <p:grpSpPr>
+        <a:xfrm>
+          <a:off x="0" y="0"/>
+          <a:ext cx="0" cy="0"/>
+          <a:chOff x="0" y="0"/>
+          <a:chExt cx="0" cy="0"/>
+        </a:xfrm>
+      </p:grpSpPr>
+      <p:sp>
+        <p:nvSpPr>
+          <p:cNvPr id="5" name="Rectangle 4"/>
+          <p:cNvSpPr/>
+          <p:nvPr/>
+        </p:nvSpPr>
+        <p:spPr>
+          <a:xfrm>
+            <a:off x="743918" y="960658"/>
             <a:ext cx="17048135" cy="2308324"/>
           </a:xfrm>
           <a:prstGeom prst="rect">
@@ -3748,7 +4204,135 @@
 </p:sld>
 </file>
 
-<file path=ppt/slides/slide3.xml><?xml version="1.0" encoding="utf-8"?>
+<file path=ppt/slides/slide4.xml><?xml version="1.0" encoding="utf-8"?>
+<p:sld xmlns:a="http://schemas.openxmlformats.org/drawingml/2006/main" xmlns:r="http://schemas.openxmlformats.org/officeDocument/2006/relationships" xmlns:p="http://schemas.openxmlformats.org/presentationml/2006/main">
+  <p:cSld>
+    <p:bg>
+      <p:bgPr>
+        <a:solidFill>
+          <a:schemeClr val="tx1"/>
+        </a:solidFill>
+        <a:effectLst/>
+      </p:bgPr>
+    </p:bg>
+    <p:spTree>
+      <p:nvGrpSpPr>
+        <p:cNvPr id="1" name=""/>
+        <p:cNvGrpSpPr/>
+        <p:nvPr/>
+      </p:nvGrpSpPr>
+      <p:grpSpPr>
+        <a:xfrm>
+          <a:off x="0" y="0"/>
+          <a:ext cx="0" cy="0"/>
+          <a:chOff x="0" y="0"/>
+          <a:chExt cx="0" cy="0"/>
+        </a:xfrm>
+      </p:grpSpPr>
+      <p:sp>
+        <p:nvSpPr>
+          <p:cNvPr id="5" name="Rectangle 4"/>
+          <p:cNvSpPr/>
+          <p:nvPr/>
+        </p:nvSpPr>
+        <p:spPr>
+          <a:xfrm>
+            <a:off x="743918" y="960658"/>
+            <a:ext cx="17048135" cy="2308324"/>
+          </a:xfrm>
+          <a:prstGeom prst="rect">
+            <a:avLst/>
+          </a:prstGeom>
+        </p:spPr>
+        <p:txBody>
+          <a:bodyPr wrap="square">
+            <a:spAutoFit/>
+          </a:bodyPr>
+          <a:lstStyle/>
+          <a:p>
+            <a:r>
+              <a:rPr lang="en-US" sz="3600" dirty="0" smtClean="0">
+                <a:solidFill>
+                  <a:schemeClr val="bg1"/>
+                </a:solidFill>
+              </a:rPr>
+              <a:t>Instructions about </a:t>
+            </a:r>
+            <a:r>
+              <a:rPr lang="en-US" sz="3600" smtClean="0">
+                <a:solidFill>
+                  <a:schemeClr val="bg1"/>
+                </a:solidFill>
+              </a:rPr>
+              <a:t>circle/square</a:t>
+            </a:r>
+            <a:r>
+              <a:rPr lang="en-US" sz="3600">
+                <a:solidFill>
+                  <a:schemeClr val="bg1"/>
+                </a:solidFill>
+              </a:rPr>
+              <a:t> </a:t>
+            </a:r>
+            <a:r>
+              <a:rPr lang="en-US" sz="3600" smtClean="0">
+                <a:solidFill>
+                  <a:schemeClr val="bg1"/>
+                </a:solidFill>
+              </a:rPr>
+              <a:t>phase…</a:t>
+            </a:r>
+            <a:endParaRPr lang="en-US" sz="3600" dirty="0">
+              <a:solidFill>
+                <a:schemeClr val="bg1"/>
+              </a:solidFill>
+            </a:endParaRPr>
+          </a:p>
+          <a:p>
+            <a:endParaRPr lang="en-US" sz="3600" dirty="0" smtClean="0">
+              <a:solidFill>
+                <a:schemeClr val="bg1"/>
+              </a:solidFill>
+            </a:endParaRPr>
+          </a:p>
+          <a:p>
+            <a:endParaRPr lang="en-US" sz="3600" dirty="0">
+              <a:solidFill>
+                <a:schemeClr val="bg1"/>
+              </a:solidFill>
+            </a:endParaRPr>
+          </a:p>
+          <a:p>
+            <a:r>
+              <a:rPr lang="en-US" sz="3600" dirty="0" smtClean="0">
+                <a:solidFill>
+                  <a:srgbClr val="FFFF00"/>
+                </a:solidFill>
+              </a:rPr>
+              <a:t>Please tell the experimenter when you are ready to start</a:t>
+            </a:r>
+            <a:endParaRPr lang="en-US" sz="3600" dirty="0">
+              <a:solidFill>
+                <a:srgbClr val="FFFF00"/>
+              </a:solidFill>
+            </a:endParaRPr>
+          </a:p>
+        </p:txBody>
+      </p:sp>
+    </p:spTree>
+    <p:extLst>
+      <p:ext uri="{BB962C8B-B14F-4D97-AF65-F5344CB8AC3E}">
+        <p14:creationId xmlns:p14="http://schemas.microsoft.com/office/powerpoint/2010/main" val="2195454657"/>
+      </p:ext>
+    </p:extLst>
+  </p:cSld>
+  <p:clrMapOvr>
+    <a:masterClrMapping/>
+  </p:clrMapOvr>
+</p:sld>
+</file>
+
+<file path=ppt/slides/slide5.xml><?xml version="1.0" encoding="utf-8"?>
 <p:sld xmlns:a="http://schemas.openxmlformats.org/drawingml/2006/main" xmlns:r="http://schemas.openxmlformats.org/officeDocument/2006/relationships" xmlns:p="http://schemas.openxmlformats.org/presentationml/2006/main">
   <p:cSld>
     <p:bg>
@@ -3824,7 +4408,7 @@
 </p:sld>
 </file>
 
-<file path=ppt/slides/slide4.xml><?xml version="1.0" encoding="utf-8"?>
+<file path=ppt/slides/slide6.xml><?xml version="1.0" encoding="utf-8"?>
 <p:sld xmlns:a="http://schemas.openxmlformats.org/drawingml/2006/main" xmlns:r="http://schemas.openxmlformats.org/officeDocument/2006/relationships" xmlns:p="http://schemas.openxmlformats.org/presentationml/2006/main">
   <p:cSld>
     <p:bg>
@@ -3894,7 +4478,7 @@
 </p:sld>
 </file>
 
-<file path=ppt/slides/slide5.xml><?xml version="1.0" encoding="utf-8"?>
+<file path=ppt/slides/slide7.xml><?xml version="1.0" encoding="utf-8"?>
 <p:sld xmlns:a="http://schemas.openxmlformats.org/drawingml/2006/main" xmlns:r="http://schemas.openxmlformats.org/officeDocument/2006/relationships" xmlns:p="http://schemas.openxmlformats.org/presentationml/2006/main">
   <p:cSld>
     <p:bg>
